--- a/2025/20250801-TheProblemWithDifferentialGeometry.pptx
+++ b/2025/20250801-TheProblemWithDifferentialGeometry.pptx
@@ -212,7 +212,7 @@
           <a:p>
             <a:fld id="{E119C704-B8F9-449B-B828-36D786A1FE73}" type="datetimeFigureOut">
               <a:rPr lang="en-US" smtClean="0"/>
-              <a:t>8/17/2025</a:t>
+              <a:t>8/21/2025</a:t>
             </a:fld>
             <a:endParaRPr lang="en-US"/>
           </a:p>
@@ -523,12 +523,9 @@
           <a:bodyPr/>
           <a:lstStyle/>
           <a:p>
-            <a:endParaRPr lang="en-US" dirty="0"/>
-          </a:p>
-          <a:p>
             <a:r>
               <a:rPr lang="en-US" dirty="0"/>
-              <a:t>We are also going to see how units work… because units tells you way you need a differentiable manifold. “I know why you need a manifold, we need to handle spheres!” No, that’s not it. Even in a flat space, when you introduce polar coordinates, you are allowing non-linear coordinates, which break the linear structure. The linear structure can be recovered only locally, through differentiability. And if you don’t understand this… argh! You don’t understand the physics!</a:t>
+              <a:t>In a previous videos I quickly showed how tangent spaces in terms of derivation do not work in physics, because the units do not work. This is an example of how mathematical structures defined by mathematicians can be different from the type of structures we need in physics. There were a few comments that pushed back on that with the same objection… so I decided to make a video about it.</a:t>
             </a:r>
           </a:p>
         </p:txBody>
@@ -716,7 +713,7 @@
           <a:p>
             <a:fld id="{9E5A3E48-4000-4BE8-AF49-A6112A7546B2}" type="datetime1">
               <a:rPr lang="en-US" smtClean="0"/>
-              <a:t>8/17/2025</a:t>
+              <a:t>8/21/2025</a:t>
             </a:fld>
             <a:endParaRPr lang="en-US"/>
           </a:p>
@@ -1220,7 +1217,7 @@
           <a:p>
             <a:fld id="{1097F9C4-009A-4DB4-A317-7BB1B9415B8A}" type="datetime1">
               <a:rPr lang="en-US" smtClean="0"/>
-              <a:t>8/17/2025</a:t>
+              <a:t>8/21/2025</a:t>
             </a:fld>
             <a:endParaRPr lang="en-US"/>
           </a:p>
@@ -1431,7 +1428,7 @@
           <a:p>
             <a:fld id="{AB448F2E-A0AF-4465-A0F8-0F03CDDC70F9}" type="datetime1">
               <a:rPr lang="en-US" smtClean="0"/>
-              <a:t>8/17/2025</a:t>
+              <a:t>8/21/2025</a:t>
             </a:fld>
             <a:endParaRPr lang="en-US"/>
           </a:p>
@@ -1660,7 +1657,7 @@
           <a:p>
             <a:fld id="{D94907A7-274B-46C7-ACBB-98427FFA90F6}" type="datetime1">
               <a:rPr lang="en-US" smtClean="0"/>
-              <a:t>8/17/2025</a:t>
+              <a:t>8/21/2025</a:t>
             </a:fld>
             <a:endParaRPr lang="en-US" dirty="0"/>
           </a:p>
@@ -1910,7 +1907,7 @@
           <a:p>
             <a:fld id="{E0A0D542-6BA8-4A95-9EF2-3E912B4C2D8D}" type="datetime1">
               <a:rPr lang="en-US" smtClean="0"/>
-              <a:t>8/17/2025</a:t>
+              <a:t>8/21/2025</a:t>
             </a:fld>
             <a:endParaRPr lang="en-US"/>
           </a:p>
@@ -2178,7 +2175,7 @@
           <a:p>
             <a:fld id="{7F689E5D-57C3-47FC-9D93-3B263F03E631}" type="datetime1">
               <a:rPr lang="en-US" smtClean="0"/>
-              <a:t>8/17/2025</a:t>
+              <a:t>8/21/2025</a:t>
             </a:fld>
             <a:endParaRPr lang="en-US"/>
           </a:p>
@@ -2593,7 +2590,7 @@
           <a:p>
             <a:fld id="{CFF3B49B-4FF2-41DE-9AC4-33C59E8CAF6D}" type="datetime1">
               <a:rPr lang="en-US" smtClean="0"/>
-              <a:t>8/17/2025</a:t>
+              <a:t>8/21/2025</a:t>
             </a:fld>
             <a:endParaRPr lang="en-US"/>
           </a:p>
@@ -2737,7 +2734,7 @@
           <a:p>
             <a:fld id="{179CF7F1-22B2-4345-97A9-9E44AD1EB502}" type="datetime1">
               <a:rPr lang="en-US" smtClean="0"/>
-              <a:t>8/17/2025</a:t>
+              <a:t>8/21/2025</a:t>
             </a:fld>
             <a:endParaRPr lang="en-US"/>
           </a:p>
@@ -2853,7 +2850,7 @@
           <a:p>
             <a:fld id="{06F128FC-3737-4FFB-AE4A-FB5984F2943C}" type="datetime1">
               <a:rPr lang="en-US" smtClean="0"/>
-              <a:t>8/17/2025</a:t>
+              <a:t>8/21/2025</a:t>
             </a:fld>
             <a:endParaRPr lang="en-US" dirty="0"/>
           </a:p>
@@ -3168,7 +3165,7 @@
           <a:p>
             <a:fld id="{85BC373F-1C5D-4856-863E-55B4619AF862}" type="datetime1">
               <a:rPr lang="en-US" smtClean="0"/>
-              <a:t>8/17/2025</a:t>
+              <a:t>8/21/2025</a:t>
             </a:fld>
             <a:endParaRPr lang="en-US"/>
           </a:p>
@@ -3459,7 +3456,7 @@
           <a:p>
             <a:fld id="{25DBF6ED-7AC7-494C-88C7-A4505C8782D5}" type="datetime1">
               <a:rPr lang="en-US" smtClean="0"/>
-              <a:t>8/17/2025</a:t>
+              <a:t>8/21/2025</a:t>
             </a:fld>
             <a:endParaRPr lang="en-US"/>
           </a:p>
@@ -3703,7 +3700,7 @@
           <a:p>
             <a:fld id="{8143FB41-6DBB-4DF5-895F-D5282C1D742B}" type="datetime1">
               <a:rPr lang="en-US" smtClean="0"/>
-              <a:t>8/17/2025</a:t>
+              <a:t>8/21/2025</a:t>
             </a:fld>
             <a:endParaRPr lang="en-US" dirty="0"/>
           </a:p>
@@ -7711,8 +7708,8 @@
           </a:fontRef>
         </p:style>
       </p:cxnSp>
-      <mc:AlternateContent xmlns:mc="http://schemas.openxmlformats.org/markup-compatibility/2006">
-        <mc:Choice xmlns:a14="http://schemas.microsoft.com/office/drawing/2010/main" Requires="a14">
+      <mc:AlternateContent xmlns:mc="http://schemas.openxmlformats.org/markup-compatibility/2006" xmlns:a14="http://schemas.microsoft.com/office/drawing/2010/main">
+        <mc:Choice Requires="a14">
           <p:sp>
             <p:nvSpPr>
               <p:cNvPr id="13" name="TextBox 12">
@@ -7763,7 +7760,7 @@
             </p:txBody>
           </p:sp>
         </mc:Choice>
-        <mc:Fallback>
+        <mc:Fallback xmlns="">
           <p:sp>
             <p:nvSpPr>
               <p:cNvPr id="13" name="TextBox 12">
@@ -7847,8 +7844,8 @@
           </a:fontRef>
         </p:style>
       </p:cxnSp>
-      <mc:AlternateContent xmlns:mc="http://schemas.openxmlformats.org/markup-compatibility/2006">
-        <mc:Choice xmlns:a14="http://schemas.microsoft.com/office/drawing/2010/main" Requires="a14">
+      <mc:AlternateContent xmlns:mc="http://schemas.openxmlformats.org/markup-compatibility/2006" xmlns:a14="http://schemas.microsoft.com/office/drawing/2010/main">
+        <mc:Choice Requires="a14">
           <p:sp>
             <p:nvSpPr>
               <p:cNvPr id="17" name="TextBox 16">
@@ -7910,7 +7907,7 @@
             </p:txBody>
           </p:sp>
         </mc:Choice>
-        <mc:Fallback>
+        <mc:Fallback xmlns="">
           <p:sp>
             <p:nvSpPr>
               <p:cNvPr id="17" name="TextBox 16">
@@ -8024,8 +8021,8 @@
           <a:chExt cx="0" cy="0"/>
         </a:xfrm>
       </p:grpSpPr>
-      <mc:AlternateContent xmlns:mc="http://schemas.openxmlformats.org/markup-compatibility/2006">
-        <mc:Choice xmlns:a14="http://schemas.microsoft.com/office/drawing/2010/main" Requires="a14">
+      <mc:AlternateContent xmlns:mc="http://schemas.openxmlformats.org/markup-compatibility/2006" xmlns:a14="http://schemas.microsoft.com/office/drawing/2010/main">
+        <mc:Choice Requires="a14">
           <p:sp>
             <p:nvSpPr>
               <p:cNvPr id="2" name="Rectangle 1">
@@ -8095,7 +8092,7 @@
             </p:txBody>
           </p:sp>
         </mc:Choice>
-        <mc:Fallback>
+        <mc:Fallback xmlns="">
           <p:sp>
             <p:nvSpPr>
               <p:cNvPr id="2" name="Rectangle 1">
@@ -8140,8 +8137,8 @@
           </p:sp>
         </mc:Fallback>
       </mc:AlternateContent>
-      <mc:AlternateContent xmlns:mc="http://schemas.openxmlformats.org/markup-compatibility/2006">
-        <mc:Choice xmlns:a14="http://schemas.microsoft.com/office/drawing/2010/main" Requires="a14">
+      <mc:AlternateContent xmlns:mc="http://schemas.openxmlformats.org/markup-compatibility/2006" xmlns:a14="http://schemas.microsoft.com/office/drawing/2010/main">
+        <mc:Choice Requires="a14">
           <p:sp>
             <p:nvSpPr>
               <p:cNvPr id="3" name="Rectangle 2">
@@ -8227,7 +8224,7 @@
             </p:txBody>
           </p:sp>
         </mc:Choice>
-        <mc:Fallback>
+        <mc:Fallback xmlns="">
           <p:sp>
             <p:nvSpPr>
               <p:cNvPr id="3" name="Rectangle 2">
@@ -8272,8 +8269,8 @@
           </p:sp>
         </mc:Fallback>
       </mc:AlternateContent>
-      <mc:AlternateContent xmlns:mc="http://schemas.openxmlformats.org/markup-compatibility/2006">
-        <mc:Choice xmlns:a14="http://schemas.microsoft.com/office/drawing/2010/main" Requires="a14">
+      <mc:AlternateContent xmlns:mc="http://schemas.openxmlformats.org/markup-compatibility/2006" xmlns:a14="http://schemas.microsoft.com/office/drawing/2010/main">
+        <mc:Choice Requires="a14">
           <p:sp>
             <p:nvSpPr>
               <p:cNvPr id="4" name="Rectangle 3">
@@ -8369,7 +8366,7 @@
             </p:txBody>
           </p:sp>
         </mc:Choice>
-        <mc:Fallback>
+        <mc:Fallback xmlns="">
           <p:sp>
             <p:nvSpPr>
               <p:cNvPr id="4" name="Rectangle 3">
@@ -8500,8 +8497,8 @@
           </a:fontRef>
         </p:style>
       </p:cxnSp>
-      <mc:AlternateContent xmlns:mc="http://schemas.openxmlformats.org/markup-compatibility/2006">
-        <mc:Choice xmlns:a14="http://schemas.microsoft.com/office/drawing/2010/main" Requires="a14">
+      <mc:AlternateContent xmlns:mc="http://schemas.openxmlformats.org/markup-compatibility/2006" xmlns:a14="http://schemas.microsoft.com/office/drawing/2010/main">
+        <mc:Choice Requires="a14">
           <p:sp>
             <p:nvSpPr>
               <p:cNvPr id="9" name="TextBox 8">
@@ -8530,6 +8527,7 @@
               </a:bodyPr>
               <a:lstStyle/>
               <a:p>
+                <a:pPr/>
                 <a14:m>
                   <m:oMathPara xmlns:m="http://schemas.openxmlformats.org/officeDocument/2006/math">
                     <m:oMathParaPr>
@@ -8599,7 +8597,7 @@
             </p:txBody>
           </p:sp>
         </mc:Choice>
-        <mc:Fallback>
+        <mc:Fallback xmlns="">
           <p:sp>
             <p:nvSpPr>
               <p:cNvPr id="9" name="TextBox 8">
@@ -8644,8 +8642,8 @@
           </p:sp>
         </mc:Fallback>
       </mc:AlternateContent>
-      <mc:AlternateContent xmlns:mc="http://schemas.openxmlformats.org/markup-compatibility/2006">
-        <mc:Choice xmlns:a14="http://schemas.microsoft.com/office/drawing/2010/main" Requires="a14">
+      <mc:AlternateContent xmlns:mc="http://schemas.openxmlformats.org/markup-compatibility/2006" xmlns:a14="http://schemas.microsoft.com/office/drawing/2010/main">
+        <mc:Choice Requires="a14">
           <p:sp>
             <p:nvSpPr>
               <p:cNvPr id="10" name="TextBox 9">
@@ -8674,6 +8672,7 @@
               </a:bodyPr>
               <a:lstStyle/>
               <a:p>
+                <a:pPr/>
                 <a14:m>
                   <m:oMathPara xmlns:m="http://schemas.openxmlformats.org/officeDocument/2006/math">
                     <m:oMathParaPr>
@@ -8743,7 +8742,7 @@
             </p:txBody>
           </p:sp>
         </mc:Choice>
-        <mc:Fallback>
+        <mc:Fallback xmlns="">
           <p:sp>
             <p:nvSpPr>
               <p:cNvPr id="10" name="TextBox 9">
@@ -9058,8 +9057,8 @@
           <a:chExt cx="0" cy="0"/>
         </a:xfrm>
       </p:grpSpPr>
-      <mc:AlternateContent xmlns:mc="http://schemas.openxmlformats.org/markup-compatibility/2006">
-        <mc:Choice xmlns:a14="http://schemas.microsoft.com/office/drawing/2010/main" Requires="a14">
+      <mc:AlternateContent xmlns:mc="http://schemas.openxmlformats.org/markup-compatibility/2006" xmlns:a14="http://schemas.microsoft.com/office/drawing/2010/main">
+        <mc:Choice Requires="a14">
           <p:sp>
             <p:nvSpPr>
               <p:cNvPr id="2" name="Rectangle 1">
@@ -9129,7 +9128,7 @@
             </p:txBody>
           </p:sp>
         </mc:Choice>
-        <mc:Fallback>
+        <mc:Fallback xmlns="">
           <p:sp>
             <p:nvSpPr>
               <p:cNvPr id="2" name="Rectangle 1">
@@ -9174,8 +9173,8 @@
           </p:sp>
         </mc:Fallback>
       </mc:AlternateContent>
-      <mc:AlternateContent xmlns:mc="http://schemas.openxmlformats.org/markup-compatibility/2006">
-        <mc:Choice xmlns:a14="http://schemas.microsoft.com/office/drawing/2010/main" Requires="a14">
+      <mc:AlternateContent xmlns:mc="http://schemas.openxmlformats.org/markup-compatibility/2006" xmlns:a14="http://schemas.microsoft.com/office/drawing/2010/main">
+        <mc:Choice Requires="a14">
           <p:sp>
             <p:nvSpPr>
               <p:cNvPr id="3" name="Rectangle 2">
@@ -9261,7 +9260,7 @@
             </p:txBody>
           </p:sp>
         </mc:Choice>
-        <mc:Fallback>
+        <mc:Fallback xmlns="">
           <p:sp>
             <p:nvSpPr>
               <p:cNvPr id="3" name="Rectangle 2">
@@ -9350,8 +9349,8 @@
           </a:fontRef>
         </p:style>
       </p:cxnSp>
-      <mc:AlternateContent xmlns:mc="http://schemas.openxmlformats.org/markup-compatibility/2006">
-        <mc:Choice xmlns:a14="http://schemas.microsoft.com/office/drawing/2010/main" Requires="a14">
+      <mc:AlternateContent xmlns:mc="http://schemas.openxmlformats.org/markup-compatibility/2006" xmlns:a14="http://schemas.microsoft.com/office/drawing/2010/main">
+        <mc:Choice Requires="a14">
           <p:sp>
             <p:nvSpPr>
               <p:cNvPr id="9" name="TextBox 8">
@@ -9380,6 +9379,7 @@
               </a:bodyPr>
               <a:lstStyle/>
               <a:p>
+                <a:pPr/>
                 <a14:m>
                   <m:oMathPara xmlns:m="http://schemas.openxmlformats.org/officeDocument/2006/math">
                     <m:oMathParaPr>
@@ -9449,7 +9449,7 @@
             </p:txBody>
           </p:sp>
         </mc:Choice>
-        <mc:Fallback>
+        <mc:Fallback xmlns="">
           <p:sp>
             <p:nvSpPr>
               <p:cNvPr id="9" name="TextBox 8">
@@ -9494,8 +9494,8 @@
           </p:sp>
         </mc:Fallback>
       </mc:AlternateContent>
-      <mc:AlternateContent xmlns:mc="http://schemas.openxmlformats.org/markup-compatibility/2006">
-        <mc:Choice xmlns:a14="http://schemas.microsoft.com/office/drawing/2010/main" Requires="a14">
+      <mc:AlternateContent xmlns:mc="http://schemas.openxmlformats.org/markup-compatibility/2006" xmlns:a14="http://schemas.microsoft.com/office/drawing/2010/main">
+        <mc:Choice Requires="a14">
           <p:sp>
             <p:nvSpPr>
               <p:cNvPr id="5" name="Rectangle 4">
@@ -9565,7 +9565,7 @@
             </p:txBody>
           </p:sp>
         </mc:Choice>
-        <mc:Fallback>
+        <mc:Fallback xmlns="">
           <p:sp>
             <p:nvSpPr>
               <p:cNvPr id="5" name="Rectangle 4">
@@ -9610,8 +9610,8 @@
           </p:sp>
         </mc:Fallback>
       </mc:AlternateContent>
-      <mc:AlternateContent xmlns:mc="http://schemas.openxmlformats.org/markup-compatibility/2006">
-        <mc:Choice xmlns:a14="http://schemas.microsoft.com/office/drawing/2010/main" Requires="a14">
+      <mc:AlternateContent xmlns:mc="http://schemas.openxmlformats.org/markup-compatibility/2006" xmlns:a14="http://schemas.microsoft.com/office/drawing/2010/main">
+        <mc:Choice Requires="a14">
           <p:sp>
             <p:nvSpPr>
               <p:cNvPr id="7" name="Rectangle 6">
@@ -9707,7 +9707,7 @@
             </p:txBody>
           </p:sp>
         </mc:Choice>
-        <mc:Fallback>
+        <mc:Fallback xmlns="">
           <p:sp>
             <p:nvSpPr>
               <p:cNvPr id="7" name="Rectangle 6">
@@ -9752,8 +9752,8 @@
           </p:sp>
         </mc:Fallback>
       </mc:AlternateContent>
-      <mc:AlternateContent xmlns:mc="http://schemas.openxmlformats.org/markup-compatibility/2006">
-        <mc:Choice xmlns:a14="http://schemas.microsoft.com/office/drawing/2010/main" Requires="a14">
+      <mc:AlternateContent xmlns:mc="http://schemas.openxmlformats.org/markup-compatibility/2006" xmlns:a14="http://schemas.microsoft.com/office/drawing/2010/main">
+        <mc:Choice Requires="a14">
           <p:sp>
             <p:nvSpPr>
               <p:cNvPr id="12" name="Rectangle 11">
@@ -9823,7 +9823,7 @@
             </p:txBody>
           </p:sp>
         </mc:Choice>
-        <mc:Fallback>
+        <mc:Fallback xmlns="">
           <p:sp>
             <p:nvSpPr>
               <p:cNvPr id="12" name="Rectangle 11">
@@ -9868,8 +9868,8 @@
           </p:sp>
         </mc:Fallback>
       </mc:AlternateContent>
-      <mc:AlternateContent xmlns:mc="http://schemas.openxmlformats.org/markup-compatibility/2006">
-        <mc:Choice xmlns:a14="http://schemas.microsoft.com/office/drawing/2010/main" Requires="a14">
+      <mc:AlternateContent xmlns:mc="http://schemas.openxmlformats.org/markup-compatibility/2006" xmlns:a14="http://schemas.microsoft.com/office/drawing/2010/main">
+        <mc:Choice Requires="a14">
           <p:sp>
             <p:nvSpPr>
               <p:cNvPr id="13" name="Rectangle 12">
@@ -9939,7 +9939,7 @@
             </p:txBody>
           </p:sp>
         </mc:Choice>
-        <mc:Fallback>
+        <mc:Fallback xmlns="">
           <p:sp>
             <p:nvSpPr>
               <p:cNvPr id="13" name="Rectangle 12">
@@ -10160,8 +10160,8 @@
           </a:fontRef>
         </p:style>
       </p:cxnSp>
-      <mc:AlternateContent xmlns:mc="http://schemas.openxmlformats.org/markup-compatibility/2006">
-        <mc:Choice xmlns:a14="http://schemas.microsoft.com/office/drawing/2010/main" Requires="a14">
+      <mc:AlternateContent xmlns:mc="http://schemas.openxmlformats.org/markup-compatibility/2006" xmlns:a14="http://schemas.microsoft.com/office/drawing/2010/main">
+        <mc:Choice Requires="a14">
           <p:sp>
             <p:nvSpPr>
               <p:cNvPr id="33" name="TextBox 32">
@@ -10190,6 +10190,7 @@
               </a:bodyPr>
               <a:lstStyle/>
               <a:p>
+                <a:pPr/>
                 <a14:m>
                   <m:oMathPara xmlns:m="http://schemas.openxmlformats.org/officeDocument/2006/math">
                     <m:oMathParaPr>
@@ -10259,7 +10260,7 @@
             </p:txBody>
           </p:sp>
         </mc:Choice>
-        <mc:Fallback>
+        <mc:Fallback xmlns="">
           <p:sp>
             <p:nvSpPr>
               <p:cNvPr id="33" name="TextBox 32">
@@ -10304,8 +10305,8 @@
           </p:sp>
         </mc:Fallback>
       </mc:AlternateContent>
-      <mc:AlternateContent xmlns:mc="http://schemas.openxmlformats.org/markup-compatibility/2006">
-        <mc:Choice xmlns:a14="http://schemas.microsoft.com/office/drawing/2010/main" Requires="a14">
+      <mc:AlternateContent xmlns:mc="http://schemas.openxmlformats.org/markup-compatibility/2006" xmlns:a14="http://schemas.microsoft.com/office/drawing/2010/main">
+        <mc:Choice Requires="a14">
           <p:sp>
             <p:nvSpPr>
               <p:cNvPr id="34" name="TextBox 33">
@@ -10334,6 +10335,7 @@
               </a:bodyPr>
               <a:lstStyle/>
               <a:p>
+                <a:pPr/>
                 <a14:m>
                   <m:oMathPara xmlns:m="http://schemas.openxmlformats.org/officeDocument/2006/math">
                     <m:oMathParaPr>
@@ -10378,7 +10380,7 @@
             </p:txBody>
           </p:sp>
         </mc:Choice>
-        <mc:Fallback>
+        <mc:Fallback xmlns="">
           <p:sp>
             <p:nvSpPr>
               <p:cNvPr id="34" name="TextBox 33">
@@ -10423,8 +10425,8 @@
           </p:sp>
         </mc:Fallback>
       </mc:AlternateContent>
-      <mc:AlternateContent xmlns:mc="http://schemas.openxmlformats.org/markup-compatibility/2006">
-        <mc:Choice xmlns:a14="http://schemas.microsoft.com/office/drawing/2010/main" Requires="a14">
+      <mc:AlternateContent xmlns:mc="http://schemas.openxmlformats.org/markup-compatibility/2006" xmlns:a14="http://schemas.microsoft.com/office/drawing/2010/main">
+        <mc:Choice Requires="a14">
           <p:sp>
             <p:nvSpPr>
               <p:cNvPr id="35" name="TextBox 34">
@@ -10453,6 +10455,7 @@
               </a:bodyPr>
               <a:lstStyle/>
               <a:p>
+                <a:pPr/>
                 <a14:m>
                   <m:oMathPara xmlns:m="http://schemas.openxmlformats.org/officeDocument/2006/math">
                     <m:oMathParaPr>
@@ -10510,7 +10513,7 @@
             </p:txBody>
           </p:sp>
         </mc:Choice>
-        <mc:Fallback>
+        <mc:Fallback xmlns="">
           <p:sp>
             <p:nvSpPr>
               <p:cNvPr id="35" name="TextBox 34">
@@ -10555,8 +10558,8 @@
           </p:sp>
         </mc:Fallback>
       </mc:AlternateContent>
-      <mc:AlternateContent xmlns:mc="http://schemas.openxmlformats.org/markup-compatibility/2006">
-        <mc:Choice xmlns:a14="http://schemas.microsoft.com/office/drawing/2010/main" Requires="a14">
+      <mc:AlternateContent xmlns:mc="http://schemas.openxmlformats.org/markup-compatibility/2006" xmlns:a14="http://schemas.microsoft.com/office/drawing/2010/main">
+        <mc:Choice Requires="a14">
           <p:sp>
             <p:nvSpPr>
               <p:cNvPr id="36" name="TextBox 35">
@@ -10585,6 +10588,7 @@
               </a:bodyPr>
               <a:lstStyle/>
               <a:p>
+                <a:pPr/>
                 <a14:m>
                   <m:oMathPara xmlns:m="http://schemas.openxmlformats.org/officeDocument/2006/math">
                     <m:oMathParaPr>
@@ -10642,7 +10646,7 @@
             </p:txBody>
           </p:sp>
         </mc:Choice>
-        <mc:Fallback>
+        <mc:Fallback xmlns="">
           <p:sp>
             <p:nvSpPr>
               <p:cNvPr id="36" name="TextBox 35">
@@ -10687,8 +10691,8 @@
           </p:sp>
         </mc:Fallback>
       </mc:AlternateContent>
-      <mc:AlternateContent xmlns:mc="http://schemas.openxmlformats.org/markup-compatibility/2006">
-        <mc:Choice xmlns:a14="http://schemas.microsoft.com/office/drawing/2010/main" Requires="a14">
+      <mc:AlternateContent xmlns:mc="http://schemas.openxmlformats.org/markup-compatibility/2006" xmlns:a14="http://schemas.microsoft.com/office/drawing/2010/main">
+        <mc:Choice Requires="a14">
           <p:sp>
             <p:nvSpPr>
               <p:cNvPr id="38" name="TextBox 37">
@@ -10717,6 +10721,7 @@
               </a:bodyPr>
               <a:lstStyle/>
               <a:p>
+                <a:pPr/>
                 <a14:m>
                   <m:oMathPara xmlns:m="http://schemas.openxmlformats.org/officeDocument/2006/math">
                     <m:oMathParaPr>
@@ -10900,7 +10905,7 @@
             </p:txBody>
           </p:sp>
         </mc:Choice>
-        <mc:Fallback>
+        <mc:Fallback xmlns="">
           <p:sp>
             <p:nvSpPr>
               <p:cNvPr id="38" name="TextBox 37">
@@ -12012,8 +12017,8 @@
           <a:chExt cx="0" cy="0"/>
         </a:xfrm>
       </p:grpSpPr>
-      <mc:AlternateContent xmlns:mc="http://schemas.openxmlformats.org/markup-compatibility/2006">
-        <mc:Choice xmlns:a14="http://schemas.microsoft.com/office/drawing/2010/main" Requires="a14">
+      <mc:AlternateContent xmlns:mc="http://schemas.openxmlformats.org/markup-compatibility/2006" xmlns:a14="http://schemas.microsoft.com/office/drawing/2010/main">
+        <mc:Choice Requires="a14">
           <p:sp>
             <p:nvSpPr>
               <p:cNvPr id="2" name="Rectangle 1">
@@ -12083,7 +12088,7 @@
             </p:txBody>
           </p:sp>
         </mc:Choice>
-        <mc:Fallback>
+        <mc:Fallback xmlns="">
           <p:sp>
             <p:nvSpPr>
               <p:cNvPr id="2" name="Rectangle 1">
@@ -12128,8 +12133,8 @@
           </p:sp>
         </mc:Fallback>
       </mc:AlternateContent>
-      <mc:AlternateContent xmlns:mc="http://schemas.openxmlformats.org/markup-compatibility/2006">
-        <mc:Choice xmlns:a14="http://schemas.microsoft.com/office/drawing/2010/main" Requires="a14">
+      <mc:AlternateContent xmlns:mc="http://schemas.openxmlformats.org/markup-compatibility/2006" xmlns:a14="http://schemas.microsoft.com/office/drawing/2010/main">
+        <mc:Choice Requires="a14">
           <p:sp>
             <p:nvSpPr>
               <p:cNvPr id="3" name="Rectangle 2">
@@ -12215,7 +12220,7 @@
             </p:txBody>
           </p:sp>
         </mc:Choice>
-        <mc:Fallback>
+        <mc:Fallback xmlns="">
           <p:sp>
             <p:nvSpPr>
               <p:cNvPr id="3" name="Rectangle 2">
@@ -12303,8 +12308,8 @@
           </a:fontRef>
         </p:style>
       </p:cxnSp>
-      <mc:AlternateContent xmlns:mc="http://schemas.openxmlformats.org/markup-compatibility/2006">
-        <mc:Choice xmlns:a14="http://schemas.microsoft.com/office/drawing/2010/main" Requires="a14">
+      <mc:AlternateContent xmlns:mc="http://schemas.openxmlformats.org/markup-compatibility/2006" xmlns:a14="http://schemas.microsoft.com/office/drawing/2010/main">
+        <mc:Choice Requires="a14">
           <p:sp>
             <p:nvSpPr>
               <p:cNvPr id="9" name="TextBox 8">
@@ -12333,6 +12338,7 @@
               </a:bodyPr>
               <a:lstStyle/>
               <a:p>
+                <a:pPr/>
                 <a14:m>
                   <m:oMathPara xmlns:m="http://schemas.openxmlformats.org/officeDocument/2006/math">
                     <m:oMathParaPr>
@@ -12402,7 +12408,7 @@
             </p:txBody>
           </p:sp>
         </mc:Choice>
-        <mc:Fallback>
+        <mc:Fallback xmlns="">
           <p:sp>
             <p:nvSpPr>
               <p:cNvPr id="9" name="TextBox 8">
@@ -12483,8 +12489,8 @@
           </a:p>
         </p:txBody>
       </p:sp>
-      <mc:AlternateContent xmlns:mc="http://schemas.openxmlformats.org/markup-compatibility/2006">
-        <mc:Choice xmlns:a14="http://schemas.microsoft.com/office/drawing/2010/main" Requires="a14">
+      <mc:AlternateContent xmlns:mc="http://schemas.openxmlformats.org/markup-compatibility/2006" xmlns:a14="http://schemas.microsoft.com/office/drawing/2010/main">
+        <mc:Choice Requires="a14">
           <p:sp>
             <p:nvSpPr>
               <p:cNvPr id="7" name="Rectangle 6">
@@ -12547,7 +12553,7 @@
             </p:txBody>
           </p:sp>
         </mc:Choice>
-        <mc:Fallback>
+        <mc:Fallback xmlns="">
           <p:sp>
             <p:nvSpPr>
               <p:cNvPr id="7" name="Rectangle 6">
@@ -12592,8 +12598,8 @@
           </p:sp>
         </mc:Fallback>
       </mc:AlternateContent>
-      <mc:AlternateContent xmlns:mc="http://schemas.openxmlformats.org/markup-compatibility/2006">
-        <mc:Choice xmlns:a14="http://schemas.microsoft.com/office/drawing/2010/main" Requires="a14">
+      <mc:AlternateContent xmlns:mc="http://schemas.openxmlformats.org/markup-compatibility/2006" xmlns:a14="http://schemas.microsoft.com/office/drawing/2010/main">
+        <mc:Choice Requires="a14">
           <p:sp>
             <p:nvSpPr>
               <p:cNvPr id="12" name="Rectangle 11">
@@ -12680,7 +12686,7 @@
             </p:txBody>
           </p:sp>
         </mc:Choice>
-        <mc:Fallback>
+        <mc:Fallback xmlns="">
           <p:sp>
             <p:nvSpPr>
               <p:cNvPr id="12" name="Rectangle 11">
@@ -12725,8 +12731,8 @@
           </p:sp>
         </mc:Fallback>
       </mc:AlternateContent>
-      <mc:AlternateContent xmlns:mc="http://schemas.openxmlformats.org/markup-compatibility/2006">
-        <mc:Choice xmlns:a14="http://schemas.microsoft.com/office/drawing/2010/main" Requires="a14">
+      <mc:AlternateContent xmlns:mc="http://schemas.openxmlformats.org/markup-compatibility/2006" xmlns:a14="http://schemas.microsoft.com/office/drawing/2010/main">
+        <mc:Choice Requires="a14">
           <p:sp>
             <p:nvSpPr>
               <p:cNvPr id="16" name="TextBox 15">
@@ -12755,6 +12761,7 @@
               </a:bodyPr>
               <a:lstStyle/>
               <a:p>
+                <a:pPr/>
                 <a14:m>
                   <m:oMathPara xmlns:m="http://schemas.openxmlformats.org/officeDocument/2006/math">
                     <m:oMathParaPr>
@@ -12941,7 +12948,7 @@
             </p:txBody>
           </p:sp>
         </mc:Choice>
-        <mc:Fallback>
+        <mc:Fallback xmlns="">
           <p:sp>
             <p:nvSpPr>
               <p:cNvPr id="16" name="TextBox 15">
@@ -12986,8 +12993,8 @@
           </p:sp>
         </mc:Fallback>
       </mc:AlternateContent>
-      <mc:AlternateContent xmlns:mc="http://schemas.openxmlformats.org/markup-compatibility/2006">
-        <mc:Choice xmlns:a14="http://schemas.microsoft.com/office/drawing/2010/main" Requires="a14">
+      <mc:AlternateContent xmlns:mc="http://schemas.openxmlformats.org/markup-compatibility/2006" xmlns:a14="http://schemas.microsoft.com/office/drawing/2010/main">
+        <mc:Choice Requires="a14">
           <p:sp>
             <p:nvSpPr>
               <p:cNvPr id="18" name="TextBox 17">
@@ -13016,6 +13023,7 @@
               </a:bodyPr>
               <a:lstStyle/>
               <a:p>
+                <a:pPr/>
                 <a14:m>
                   <m:oMathPara xmlns:m="http://schemas.openxmlformats.org/officeDocument/2006/math">
                     <m:oMathParaPr>
@@ -13110,7 +13118,7 @@
             </p:txBody>
           </p:sp>
         </mc:Choice>
-        <mc:Fallback>
+        <mc:Fallback xmlns="">
           <p:sp>
             <p:nvSpPr>
               <p:cNvPr id="18" name="TextBox 17">
@@ -13322,8 +13330,8 @@
           </a:fontRef>
         </p:style>
       </p:cxnSp>
-      <mc:AlternateContent xmlns:mc="http://schemas.openxmlformats.org/markup-compatibility/2006">
-        <mc:Choice xmlns:a14="http://schemas.microsoft.com/office/drawing/2010/main" Requires="a14">
+      <mc:AlternateContent xmlns:mc="http://schemas.openxmlformats.org/markup-compatibility/2006" xmlns:a14="http://schemas.microsoft.com/office/drawing/2010/main">
+        <mc:Choice Requires="a14">
           <p:sp>
             <p:nvSpPr>
               <p:cNvPr id="31" name="TextBox 30">
@@ -13352,6 +13360,7 @@
               </a:bodyPr>
               <a:lstStyle/>
               <a:p>
+                <a:pPr/>
                 <a14:m>
                   <m:oMathPara xmlns:m="http://schemas.openxmlformats.org/officeDocument/2006/math">
                     <m:oMathParaPr>
@@ -13422,7 +13431,7 @@
             </p:txBody>
           </p:sp>
         </mc:Choice>
-        <mc:Fallback>
+        <mc:Fallback xmlns="">
           <p:sp>
             <p:nvSpPr>
               <p:cNvPr id="31" name="TextBox 30">
@@ -13467,8 +13476,8 @@
           </p:sp>
         </mc:Fallback>
       </mc:AlternateContent>
-      <mc:AlternateContent xmlns:mc="http://schemas.openxmlformats.org/markup-compatibility/2006">
-        <mc:Choice xmlns:a14="http://schemas.microsoft.com/office/drawing/2010/main" Requires="a14">
+      <mc:AlternateContent xmlns:mc="http://schemas.openxmlformats.org/markup-compatibility/2006" xmlns:a14="http://schemas.microsoft.com/office/drawing/2010/main">
+        <mc:Choice Requires="a14">
           <p:sp>
             <p:nvSpPr>
               <p:cNvPr id="32" name="TextBox 31">
@@ -13497,6 +13506,7 @@
               </a:bodyPr>
               <a:lstStyle/>
               <a:p>
+                <a:pPr/>
                 <a14:m>
                   <m:oMathPara xmlns:m="http://schemas.openxmlformats.org/officeDocument/2006/math">
                     <m:oMathParaPr>
@@ -13567,7 +13577,7 @@
             </p:txBody>
           </p:sp>
         </mc:Choice>
-        <mc:Fallback>
+        <mc:Fallback xmlns="">
           <p:sp>
             <p:nvSpPr>
               <p:cNvPr id="32" name="TextBox 31">
@@ -13648,8 +13658,8 @@
           <a:chExt cx="0" cy="0"/>
         </a:xfrm>
       </p:grpSpPr>
-      <mc:AlternateContent xmlns:mc="http://schemas.openxmlformats.org/markup-compatibility/2006">
-        <mc:Choice xmlns:a14="http://schemas.microsoft.com/office/drawing/2010/main" Requires="a14">
+      <mc:AlternateContent xmlns:mc="http://schemas.openxmlformats.org/markup-compatibility/2006" xmlns:a14="http://schemas.microsoft.com/office/drawing/2010/main">
+        <mc:Choice Requires="a14">
           <p:sp>
             <p:nvSpPr>
               <p:cNvPr id="9" name="TextBox 8">
@@ -13678,6 +13688,7 @@
               </a:bodyPr>
               <a:lstStyle/>
               <a:p>
+                <a:pPr/>
                 <a14:m>
                   <m:oMathPara xmlns:m="http://schemas.openxmlformats.org/officeDocument/2006/math">
                     <m:oMathParaPr>
@@ -13747,7 +13758,7 @@
             </p:txBody>
           </p:sp>
         </mc:Choice>
-        <mc:Fallback>
+        <mc:Fallback xmlns="">
           <p:sp>
             <p:nvSpPr>
               <p:cNvPr id="9" name="TextBox 8">
@@ -13792,8 +13803,8 @@
           </p:sp>
         </mc:Fallback>
       </mc:AlternateContent>
-      <mc:AlternateContent xmlns:mc="http://schemas.openxmlformats.org/markup-compatibility/2006">
-        <mc:Choice xmlns:a14="http://schemas.microsoft.com/office/drawing/2010/main" Requires="a14">
+      <mc:AlternateContent xmlns:mc="http://schemas.openxmlformats.org/markup-compatibility/2006" xmlns:a14="http://schemas.microsoft.com/office/drawing/2010/main">
+        <mc:Choice Requires="a14">
           <p:sp>
             <p:nvSpPr>
               <p:cNvPr id="34" name="TextBox 33">
@@ -13822,6 +13833,7 @@
               </a:bodyPr>
               <a:lstStyle/>
               <a:p>
+                <a:pPr/>
                 <a14:m>
                   <m:oMathPara xmlns:m="http://schemas.openxmlformats.org/officeDocument/2006/math">
                     <m:oMathParaPr>
@@ -13866,7 +13878,7 @@
             </p:txBody>
           </p:sp>
         </mc:Choice>
-        <mc:Fallback>
+        <mc:Fallback xmlns="">
           <p:sp>
             <p:nvSpPr>
               <p:cNvPr id="34" name="TextBox 33">
@@ -13911,8 +13923,8 @@
           </p:sp>
         </mc:Fallback>
       </mc:AlternateContent>
-      <mc:AlternateContent xmlns:mc="http://schemas.openxmlformats.org/markup-compatibility/2006">
-        <mc:Choice xmlns:a14="http://schemas.microsoft.com/office/drawing/2010/main" Requires="a14">
+      <mc:AlternateContent xmlns:mc="http://schemas.openxmlformats.org/markup-compatibility/2006" xmlns:a14="http://schemas.microsoft.com/office/drawing/2010/main">
+        <mc:Choice Requires="a14">
           <p:sp>
             <p:nvSpPr>
               <p:cNvPr id="35" name="TextBox 34">
@@ -13941,6 +13953,7 @@
               </a:bodyPr>
               <a:lstStyle/>
               <a:p>
+                <a:pPr/>
                 <a14:m>
                   <m:oMathPara xmlns:m="http://schemas.openxmlformats.org/officeDocument/2006/math">
                     <m:oMathParaPr>
@@ -13998,7 +14011,7 @@
             </p:txBody>
           </p:sp>
         </mc:Choice>
-        <mc:Fallback>
+        <mc:Fallback xmlns="">
           <p:sp>
             <p:nvSpPr>
               <p:cNvPr id="35" name="TextBox 34">
@@ -14043,8 +14056,8 @@
           </p:sp>
         </mc:Fallback>
       </mc:AlternateContent>
-      <mc:AlternateContent xmlns:mc="http://schemas.openxmlformats.org/markup-compatibility/2006">
-        <mc:Choice xmlns:a14="http://schemas.microsoft.com/office/drawing/2010/main" Requires="a14">
+      <mc:AlternateContent xmlns:mc="http://schemas.openxmlformats.org/markup-compatibility/2006" xmlns:a14="http://schemas.microsoft.com/office/drawing/2010/main">
+        <mc:Choice Requires="a14">
           <p:sp>
             <p:nvSpPr>
               <p:cNvPr id="4" name="Rectangle 3">
@@ -14107,7 +14120,7 @@
             </p:txBody>
           </p:sp>
         </mc:Choice>
-        <mc:Fallback>
+        <mc:Fallback xmlns="">
           <p:sp>
             <p:nvSpPr>
               <p:cNvPr id="4" name="Rectangle 3">
@@ -14152,8 +14165,8 @@
           </p:sp>
         </mc:Fallback>
       </mc:AlternateContent>
-      <mc:AlternateContent xmlns:mc="http://schemas.openxmlformats.org/markup-compatibility/2006">
-        <mc:Choice xmlns:a14="http://schemas.microsoft.com/office/drawing/2010/main" Requires="a14">
+      <mc:AlternateContent xmlns:mc="http://schemas.openxmlformats.org/markup-compatibility/2006" xmlns:a14="http://schemas.microsoft.com/office/drawing/2010/main">
+        <mc:Choice Requires="a14">
           <p:sp>
             <p:nvSpPr>
               <p:cNvPr id="8" name="Rectangle 7">
@@ -14240,7 +14253,7 @@
             </p:txBody>
           </p:sp>
         </mc:Choice>
-        <mc:Fallback>
+        <mc:Fallback xmlns="">
           <p:sp>
             <p:nvSpPr>
               <p:cNvPr id="8" name="Rectangle 7">
@@ -14285,8 +14298,8 @@
           </p:sp>
         </mc:Fallback>
       </mc:AlternateContent>
-      <mc:AlternateContent xmlns:mc="http://schemas.openxmlformats.org/markup-compatibility/2006">
-        <mc:Choice xmlns:a14="http://schemas.microsoft.com/office/drawing/2010/main" Requires="a14">
+      <mc:AlternateContent xmlns:mc="http://schemas.openxmlformats.org/markup-compatibility/2006" xmlns:a14="http://schemas.microsoft.com/office/drawing/2010/main">
+        <mc:Choice Requires="a14">
           <p:sp>
             <p:nvSpPr>
               <p:cNvPr id="10" name="Rectangle 9">
@@ -14349,7 +14362,7 @@
             </p:txBody>
           </p:sp>
         </mc:Choice>
-        <mc:Fallback>
+        <mc:Fallback xmlns="">
           <p:sp>
             <p:nvSpPr>
               <p:cNvPr id="10" name="Rectangle 9">
@@ -14394,8 +14407,8 @@
           </p:sp>
         </mc:Fallback>
       </mc:AlternateContent>
-      <mc:AlternateContent xmlns:mc="http://schemas.openxmlformats.org/markup-compatibility/2006">
-        <mc:Choice xmlns:a14="http://schemas.microsoft.com/office/drawing/2010/main" Requires="a14">
+      <mc:AlternateContent xmlns:mc="http://schemas.openxmlformats.org/markup-compatibility/2006" xmlns:a14="http://schemas.microsoft.com/office/drawing/2010/main">
+        <mc:Choice Requires="a14">
           <p:sp>
             <p:nvSpPr>
               <p:cNvPr id="11" name="Rectangle 10">
@@ -14458,7 +14471,7 @@
             </p:txBody>
           </p:sp>
         </mc:Choice>
-        <mc:Fallback>
+        <mc:Fallback xmlns="">
           <p:sp>
             <p:nvSpPr>
               <p:cNvPr id="11" name="Rectangle 10">
@@ -14503,8 +14516,8 @@
           </p:sp>
         </mc:Fallback>
       </mc:AlternateContent>
-      <mc:AlternateContent xmlns:mc="http://schemas.openxmlformats.org/markup-compatibility/2006">
-        <mc:Choice xmlns:a14="http://schemas.microsoft.com/office/drawing/2010/main" Requires="a14">
+      <mc:AlternateContent xmlns:mc="http://schemas.openxmlformats.org/markup-compatibility/2006" xmlns:a14="http://schemas.microsoft.com/office/drawing/2010/main">
+        <mc:Choice Requires="a14">
           <p:sp>
             <p:nvSpPr>
               <p:cNvPr id="14" name="Rectangle 13">
@@ -14574,7 +14587,7 @@
             </p:txBody>
           </p:sp>
         </mc:Choice>
-        <mc:Fallback>
+        <mc:Fallback xmlns="">
           <p:sp>
             <p:nvSpPr>
               <p:cNvPr id="14" name="Rectangle 13">
@@ -14619,8 +14632,8 @@
           </p:sp>
         </mc:Fallback>
       </mc:AlternateContent>
-      <mc:AlternateContent xmlns:mc="http://schemas.openxmlformats.org/markup-compatibility/2006">
-        <mc:Choice xmlns:a14="http://schemas.microsoft.com/office/drawing/2010/main" Requires="a14">
+      <mc:AlternateContent xmlns:mc="http://schemas.openxmlformats.org/markup-compatibility/2006" xmlns:a14="http://schemas.microsoft.com/office/drawing/2010/main">
+        <mc:Choice Requires="a14">
           <p:sp>
             <p:nvSpPr>
               <p:cNvPr id="15" name="Rectangle 14">
@@ -14706,7 +14719,7 @@
             </p:txBody>
           </p:sp>
         </mc:Choice>
-        <mc:Fallback>
+        <mc:Fallback xmlns="">
           <p:sp>
             <p:nvSpPr>
               <p:cNvPr id="15" name="Rectangle 14">
@@ -14751,8 +14764,8 @@
           </p:sp>
         </mc:Fallback>
       </mc:AlternateContent>
-      <mc:AlternateContent xmlns:mc="http://schemas.openxmlformats.org/markup-compatibility/2006">
-        <mc:Choice xmlns:a14="http://schemas.microsoft.com/office/drawing/2010/main" Requires="a14">
+      <mc:AlternateContent xmlns:mc="http://schemas.openxmlformats.org/markup-compatibility/2006" xmlns:a14="http://schemas.microsoft.com/office/drawing/2010/main">
+        <mc:Choice Requires="a14">
           <p:sp>
             <p:nvSpPr>
               <p:cNvPr id="17" name="Rectangle 16">
@@ -14822,7 +14835,7 @@
             </p:txBody>
           </p:sp>
         </mc:Choice>
-        <mc:Fallback>
+        <mc:Fallback xmlns="">
           <p:sp>
             <p:nvSpPr>
               <p:cNvPr id="17" name="Rectangle 16">
@@ -14867,8 +14880,8 @@
           </p:sp>
         </mc:Fallback>
       </mc:AlternateContent>
-      <mc:AlternateContent xmlns:mc="http://schemas.openxmlformats.org/markup-compatibility/2006">
-        <mc:Choice xmlns:a14="http://schemas.microsoft.com/office/drawing/2010/main" Requires="a14">
+      <mc:AlternateContent xmlns:mc="http://schemas.openxmlformats.org/markup-compatibility/2006" xmlns:a14="http://schemas.microsoft.com/office/drawing/2010/main">
+        <mc:Choice Requires="a14">
           <p:sp>
             <p:nvSpPr>
               <p:cNvPr id="18" name="Rectangle 17">
@@ -14938,7 +14951,7 @@
             </p:txBody>
           </p:sp>
         </mc:Choice>
-        <mc:Fallback>
+        <mc:Fallback xmlns="">
           <p:sp>
             <p:nvSpPr>
               <p:cNvPr id="18" name="Rectangle 17">
@@ -15235,8 +15248,8 @@
           </a:fontRef>
         </p:style>
       </p:cxnSp>
-      <mc:AlternateContent xmlns:mc="http://schemas.openxmlformats.org/markup-compatibility/2006">
-        <mc:Choice xmlns:a14="http://schemas.microsoft.com/office/drawing/2010/main" Requires="a14">
+      <mc:AlternateContent xmlns:mc="http://schemas.openxmlformats.org/markup-compatibility/2006" xmlns:a14="http://schemas.microsoft.com/office/drawing/2010/main">
+        <mc:Choice Requires="a14">
           <p:sp>
             <p:nvSpPr>
               <p:cNvPr id="28" name="TextBox 27">
@@ -15265,6 +15278,7 @@
               </a:bodyPr>
               <a:lstStyle/>
               <a:p>
+                <a:pPr/>
                 <a14:m>
                   <m:oMathPara xmlns:m="http://schemas.openxmlformats.org/officeDocument/2006/math">
                     <m:oMathParaPr>
@@ -15335,7 +15349,7 @@
             </p:txBody>
           </p:sp>
         </mc:Choice>
-        <mc:Fallback>
+        <mc:Fallback xmlns="">
           <p:sp>
             <p:nvSpPr>
               <p:cNvPr id="28" name="TextBox 27">
@@ -15380,8 +15394,8 @@
           </p:sp>
         </mc:Fallback>
       </mc:AlternateContent>
-      <mc:AlternateContent xmlns:mc="http://schemas.openxmlformats.org/markup-compatibility/2006">
-        <mc:Choice xmlns:a14="http://schemas.microsoft.com/office/drawing/2010/main" Requires="a14">
+      <mc:AlternateContent xmlns:mc="http://schemas.openxmlformats.org/markup-compatibility/2006" xmlns:a14="http://schemas.microsoft.com/office/drawing/2010/main">
+        <mc:Choice Requires="a14">
           <p:sp>
             <p:nvSpPr>
               <p:cNvPr id="29" name="TextBox 28">
@@ -15410,6 +15424,7 @@
               </a:bodyPr>
               <a:lstStyle/>
               <a:p>
+                <a:pPr/>
                 <a14:m>
                   <m:oMathPara xmlns:m="http://schemas.openxmlformats.org/officeDocument/2006/math">
                     <m:oMathParaPr>
@@ -15480,7 +15495,7 @@
             </p:txBody>
           </p:sp>
         </mc:Choice>
-        <mc:Fallback>
+        <mc:Fallback xmlns="">
           <p:sp>
             <p:nvSpPr>
               <p:cNvPr id="29" name="TextBox 28">
@@ -15525,8 +15540,8 @@
           </p:sp>
         </mc:Fallback>
       </mc:AlternateContent>
-      <mc:AlternateContent xmlns:mc="http://schemas.openxmlformats.org/markup-compatibility/2006">
-        <mc:Choice xmlns:a14="http://schemas.microsoft.com/office/drawing/2010/main" Requires="a14">
+      <mc:AlternateContent xmlns:mc="http://schemas.openxmlformats.org/markup-compatibility/2006" xmlns:a14="http://schemas.microsoft.com/office/drawing/2010/main">
+        <mc:Choice Requires="a14">
           <p:sp>
             <p:nvSpPr>
               <p:cNvPr id="31" name="TextBox 30">
@@ -15555,6 +15570,7 @@
               </a:bodyPr>
               <a:lstStyle/>
               <a:p>
+                <a:pPr/>
                 <a14:m>
                   <m:oMathPara xmlns:m="http://schemas.openxmlformats.org/officeDocument/2006/math">
                     <m:oMathParaPr>
@@ -15606,7 +15622,7 @@
             </p:txBody>
           </p:sp>
         </mc:Choice>
-        <mc:Fallback>
+        <mc:Fallback xmlns="">
           <p:sp>
             <p:nvSpPr>
               <p:cNvPr id="31" name="TextBox 30">
@@ -17748,39 +17764,8 @@
           <a:chExt cx="0" cy="0"/>
         </a:xfrm>
       </p:grpSpPr>
-      <p:pic>
-        <p:nvPicPr>
-          <p:cNvPr id="7" name="Picture 6">
-            <a:extLst>
-              <a:ext uri="{FF2B5EF4-FFF2-40B4-BE49-F238E27FC236}">
-                <a16:creationId xmlns:a16="http://schemas.microsoft.com/office/drawing/2014/main" id="{C6997E9E-662A-EE30-2535-5780FBEC52A9}"/>
-              </a:ext>
-            </a:extLst>
-          </p:cNvPr>
-          <p:cNvPicPr>
-            <a:picLocks noChangeAspect="1"/>
-          </p:cNvPicPr>
-          <p:nvPr/>
-        </p:nvPicPr>
-        <p:blipFill>
-          <a:blip r:embed="rId2"/>
-          <a:srcRect b="26163"/>
-          <a:stretch>
-            <a:fillRect/>
-          </a:stretch>
-        </p:blipFill>
-        <p:spPr>
-          <a:xfrm>
-            <a:off x="1383997" y="239904"/>
-            <a:ext cx="9424006" cy="1700232"/>
-          </a:xfrm>
-          <a:prstGeom prst="rect">
-            <a:avLst/>
-          </a:prstGeom>
-        </p:spPr>
-      </p:pic>
-      <mc:AlternateContent xmlns:mc="http://schemas.openxmlformats.org/markup-compatibility/2006" xmlns:a14="http://schemas.microsoft.com/office/drawing/2010/main">
-        <mc:Choice Requires="a14">
+      <mc:AlternateContent xmlns:mc="http://schemas.openxmlformats.org/markup-compatibility/2006">
+        <mc:Choice xmlns:a14="http://schemas.microsoft.com/office/drawing/2010/main" Requires="a14">
           <p:sp>
             <p:nvSpPr>
               <p:cNvPr id="10" name="TextBox 9">
@@ -17795,8 +17780,8 @@
             </p:nvSpPr>
             <p:spPr>
               <a:xfrm>
-                <a:off x="3133807" y="2283302"/>
-                <a:ext cx="5924386" cy="707886"/>
+                <a:off x="2519989" y="2058219"/>
+                <a:ext cx="7152021" cy="1107996"/>
               </a:xfrm>
               <a:prstGeom prst="rect">
                 <a:avLst/>
@@ -17817,7 +17802,7 @@
                     </m:oMathParaPr>
                     <m:oMath xmlns:m="http://schemas.openxmlformats.org/officeDocument/2006/math">
                       <m:r>
-                        <a:rPr lang="en-US" sz="4000" b="0" i="1" smtClean="0">
+                        <a:rPr lang="en-US" sz="6600" b="0" i="1" smtClean="0">
                           <a:latin typeface="Cambria Math" panose="02040503050406030204" pitchFamily="18" charset="0"/>
                         </a:rPr>
                         <m:t>1</m:t>
@@ -17827,7 +17812,7 @@
                           <m:begChr m:val="["/>
                           <m:endChr m:val="]"/>
                           <m:ctrlPr>
-                            <a:rPr lang="en-US" sz="4000" b="0" i="1" smtClean="0">
+                            <a:rPr lang="en-US" sz="6600" b="0" i="1" smtClean="0">
                               <a:latin typeface="Cambria Math" panose="02040503050406030204" pitchFamily="18" charset="0"/>
                             </a:rPr>
                           </m:ctrlPr>
@@ -17837,7 +17822,7 @@
                             <m:rPr>
                               <m:sty m:val="p"/>
                             </m:rPr>
-                            <a:rPr lang="en-US" sz="4000" b="0" i="0" smtClean="0">
+                            <a:rPr lang="en-US" sz="6600" b="0" i="0" smtClean="0">
                               <a:latin typeface="Cambria Math" panose="02040503050406030204" pitchFamily="18" charset="0"/>
                             </a:rPr>
                             <m:t>m</m:t>
@@ -17847,14 +17832,14 @@
                       <m:sSub>
                         <m:sSubPr>
                           <m:ctrlPr>
-                            <a:rPr lang="en-US" sz="4000" b="0" i="1" smtClean="0">
+                            <a:rPr lang="en-US" sz="6600" b="0" i="1" smtClean="0">
                               <a:latin typeface="Cambria Math" panose="02040503050406030204" pitchFamily="18" charset="0"/>
                             </a:rPr>
                           </m:ctrlPr>
                         </m:sSubPr>
                         <m:e>
                           <m:r>
-                            <a:rPr lang="en-US" sz="4000" b="0" i="1" smtClean="0">
+                            <a:rPr lang="en-US" sz="6600" b="0" i="1" smtClean="0">
                               <a:latin typeface="Cambria Math" panose="02040503050406030204" pitchFamily="18" charset="0"/>
                             </a:rPr>
                             <m:t>𝜕</m:t>
@@ -17862,7 +17847,7 @@
                         </m:e>
                         <m:sub>
                           <m:r>
-                            <a:rPr lang="en-US" sz="4000" b="0" i="1" smtClean="0">
+                            <a:rPr lang="en-US" sz="6600" b="0" i="1" smtClean="0">
                               <a:latin typeface="Cambria Math" panose="02040503050406030204" pitchFamily="18" charset="0"/>
                             </a:rPr>
                             <m:t>𝑟</m:t>
@@ -17870,7 +17855,7 @@
                         </m:sub>
                       </m:sSub>
                       <m:r>
-                        <a:rPr lang="en-US" sz="4000" b="0" i="1" smtClean="0">
+                        <a:rPr lang="en-US" sz="6600" b="0" i="1" smtClean="0">
                           <a:latin typeface="Cambria Math" panose="02040503050406030204" pitchFamily="18" charset="0"/>
                         </a:rPr>
                         <m:t>+1</m:t>
@@ -17880,7 +17865,7 @@
                           <m:begChr m:val="["/>
                           <m:endChr m:val="]"/>
                           <m:ctrlPr>
-                            <a:rPr lang="en-US" sz="4000" b="0" i="1" smtClean="0">
+                            <a:rPr lang="en-US" sz="6600" b="0" i="1" smtClean="0">
                               <a:latin typeface="Cambria Math" panose="02040503050406030204" pitchFamily="18" charset="0"/>
                             </a:rPr>
                           </m:ctrlPr>
@@ -17890,7 +17875,7 @@
                             <m:rPr>
                               <m:sty m:val="p"/>
                             </m:rPr>
-                            <a:rPr lang="en-US" sz="4000" b="0" i="0" smtClean="0">
+                            <a:rPr lang="en-US" sz="6600" b="0" i="0" smtClean="0">
                               <a:latin typeface="Cambria Math" panose="02040503050406030204" pitchFamily="18" charset="0"/>
                             </a:rPr>
                             <m:t>rad</m:t>
@@ -17900,14 +17885,14 @@
                       <m:sSub>
                         <m:sSubPr>
                           <m:ctrlPr>
-                            <a:rPr lang="en-US" sz="4000" b="0" i="1" smtClean="0">
+                            <a:rPr lang="en-US" sz="6600" b="0" i="1" smtClean="0">
                               <a:latin typeface="Cambria Math" panose="02040503050406030204" pitchFamily="18" charset="0"/>
                             </a:rPr>
                           </m:ctrlPr>
                         </m:sSubPr>
                         <m:e>
                           <m:r>
-                            <a:rPr lang="en-US" sz="4000" b="0" i="1" smtClean="0">
+                            <a:rPr lang="en-US" sz="6600" b="0" i="1" smtClean="0">
                               <a:latin typeface="Cambria Math" panose="02040503050406030204" pitchFamily="18" charset="0"/>
                             </a:rPr>
                             <m:t>𝜕</m:t>
@@ -17915,7 +17900,7 @@
                         </m:e>
                         <m:sub>
                           <m:r>
-                            <a:rPr lang="en-US" sz="4000" b="0" i="1" smtClean="0">
+                            <a:rPr lang="en-US" sz="6600" b="0" i="1" smtClean="0">
                               <a:latin typeface="Cambria Math" panose="02040503050406030204" pitchFamily="18" charset="0"/>
                             </a:rPr>
                             <m:t>𝜃</m:t>
@@ -17925,12 +17910,12 @@
                     </m:oMath>
                   </m:oMathPara>
                 </a14:m>
-                <a:endParaRPr lang="en-US" sz="4000" dirty="0"/>
+                <a:endParaRPr lang="en-US" sz="6600" dirty="0"/>
               </a:p>
             </p:txBody>
           </p:sp>
         </mc:Choice>
-        <mc:Fallback xmlns="">
+        <mc:Fallback>
           <p:sp>
             <p:nvSpPr>
               <p:cNvPr id="10" name="TextBox 9">
@@ -17947,14 +17932,14 @@
             </p:nvSpPr>
             <p:spPr>
               <a:xfrm>
-                <a:off x="3133807" y="2283302"/>
-                <a:ext cx="5924386" cy="707886"/>
+                <a:off x="2519989" y="2058219"/>
+                <a:ext cx="7152021" cy="1107996"/>
               </a:xfrm>
               <a:prstGeom prst="rect">
                 <a:avLst/>
               </a:prstGeom>
               <a:blipFill>
-                <a:blip r:embed="rId3"/>
+                <a:blip r:embed="rId2"/>
                 <a:stretch>
                   <a:fillRect/>
                 </a:stretch>
@@ -20690,8 +20675,8 @@
           </p:sp>
         </mc:Fallback>
       </mc:AlternateContent>
-      <mc:AlternateContent xmlns:mc="http://schemas.openxmlformats.org/markup-compatibility/2006">
-        <mc:Choice xmlns:a14="http://schemas.microsoft.com/office/drawing/2010/main" Requires="a14">
+      <mc:AlternateContent xmlns:mc="http://schemas.openxmlformats.org/markup-compatibility/2006" xmlns:a14="http://schemas.microsoft.com/office/drawing/2010/main">
+        <mc:Choice Requires="a14">
           <p:sp>
             <p:nvSpPr>
               <p:cNvPr id="18" name="TextBox 17">
@@ -20802,16 +20787,7 @@
                             <a:rPr lang="en-US" sz="2800" b="0" i="0" smtClean="0">
                               <a:latin typeface="Cambria Math" panose="02040503050406030204" pitchFamily="18" charset="0"/>
                             </a:rPr>
-                            <m:t>k</m:t>
-                          </m:r>
-                          <m:r>
-                            <m:rPr>
-                              <m:sty m:val="p"/>
-                            </m:rPr>
-                            <a:rPr lang="en-US" sz="2800" b="0" i="0" smtClean="0">
-                              <a:latin typeface="Cambria Math" panose="02040503050406030204" pitchFamily="18" charset="0"/>
-                            </a:rPr>
-                            <m:t>m</m:t>
+                            <m:t>km</m:t>
                           </m:r>
                         </m:den>
                       </m:f>
@@ -20829,7 +20805,7 @@
             </p:txBody>
           </p:sp>
         </mc:Choice>
-        <mc:Fallback>
+        <mc:Fallback xmlns="">
           <p:sp>
             <p:nvSpPr>
               <p:cNvPr id="18" name="TextBox 17">
@@ -20874,8 +20850,8 @@
           </p:sp>
         </mc:Fallback>
       </mc:AlternateContent>
-      <mc:AlternateContent xmlns:mc="http://schemas.openxmlformats.org/markup-compatibility/2006">
-        <mc:Choice xmlns:a14="http://schemas.microsoft.com/office/drawing/2010/main" Requires="a14">
+      <mc:AlternateContent xmlns:mc="http://schemas.openxmlformats.org/markup-compatibility/2006" xmlns:a14="http://schemas.microsoft.com/office/drawing/2010/main">
+        <mc:Choice Requires="a14">
           <p:sp>
             <p:nvSpPr>
               <p:cNvPr id="19" name="TextBox 18">
@@ -21019,16 +20995,7 @@
                             <a:rPr lang="en-US" sz="2800" b="0" i="0" smtClean="0">
                               <a:latin typeface="Cambria Math" panose="02040503050406030204" pitchFamily="18" charset="0"/>
                             </a:rPr>
-                            <m:t>k</m:t>
-                          </m:r>
-                          <m:r>
-                            <m:rPr>
-                              <m:sty m:val="p"/>
-                            </m:rPr>
-                            <a:rPr lang="en-US" sz="2800" b="0" i="0" smtClean="0">
-                              <a:latin typeface="Cambria Math" panose="02040503050406030204" pitchFamily="18" charset="0"/>
-                            </a:rPr>
-                            <m:t>m</m:t>
+                            <m:t>km</m:t>
                           </m:r>
                         </m:e>
                       </m:d>
@@ -21111,7 +21078,7 @@
             </p:txBody>
           </p:sp>
         </mc:Choice>
-        <mc:Fallback>
+        <mc:Fallback xmlns="">
           <p:sp>
             <p:nvSpPr>
               <p:cNvPr id="19" name="TextBox 18">
@@ -22824,8 +22791,8 @@
           </a:p>
         </p:txBody>
       </p:sp>
-      <mc:AlternateContent xmlns:mc="http://schemas.openxmlformats.org/markup-compatibility/2006">
-        <mc:Choice xmlns:a14="http://schemas.microsoft.com/office/drawing/2010/main" Requires="a14">
+      <mc:AlternateContent xmlns:mc="http://schemas.openxmlformats.org/markup-compatibility/2006" xmlns:a14="http://schemas.microsoft.com/office/drawing/2010/main">
+        <mc:Choice Requires="a14">
           <p:sp>
             <p:nvSpPr>
               <p:cNvPr id="3" name="TextBox 2">
@@ -23175,7 +23142,7 @@
             </p:txBody>
           </p:sp>
         </mc:Choice>
-        <mc:Fallback>
+        <mc:Fallback xmlns="">
           <p:sp>
             <p:nvSpPr>
               <p:cNvPr id="3" name="TextBox 2">
@@ -23332,8 +23299,8 @@
           </a:p>
         </p:txBody>
       </p:sp>
-      <mc:AlternateContent xmlns:mc="http://schemas.openxmlformats.org/markup-compatibility/2006">
-        <mc:Choice xmlns:a14="http://schemas.microsoft.com/office/drawing/2010/main" Requires="a14">
+      <mc:AlternateContent xmlns:mc="http://schemas.openxmlformats.org/markup-compatibility/2006" xmlns:a14="http://schemas.microsoft.com/office/drawing/2010/main">
+        <mc:Choice Requires="a14">
           <p:sp>
             <p:nvSpPr>
               <p:cNvPr id="5" name="TextBox 4">
@@ -23589,7 +23556,7 @@
             </p:txBody>
           </p:sp>
         </mc:Choice>
-        <mc:Fallback>
+        <mc:Fallback xmlns="">
           <p:sp>
             <p:nvSpPr>
               <p:cNvPr id="5" name="TextBox 4">
@@ -25418,8 +25385,8 @@
           </a:p>
         </p:txBody>
       </p:sp>
-      <mc:AlternateContent xmlns:mc="http://schemas.openxmlformats.org/markup-compatibility/2006">
-        <mc:Choice xmlns:a14="http://schemas.microsoft.com/office/drawing/2010/main" Requires="a14">
+      <mc:AlternateContent xmlns:mc="http://schemas.openxmlformats.org/markup-compatibility/2006" xmlns:a14="http://schemas.microsoft.com/office/drawing/2010/main">
+        <mc:Choice Requires="a14">
           <p:sp>
             <p:nvSpPr>
               <p:cNvPr id="37" name="TextBox 36">
@@ -25663,7 +25630,7 @@
             </p:txBody>
           </p:sp>
         </mc:Choice>
-        <mc:Fallback>
+        <mc:Fallback xmlns="">
           <p:sp>
             <p:nvSpPr>
               <p:cNvPr id="37" name="TextBox 36">
